--- a/2DGP-Project-KGH(Finale).pptx
+++ b/2DGP-Project-KGH(Finale).pptx
@@ -4493,7 +4493,7 @@
                     </a:prstClr>
                   </a:solidFill>
                 </a:rPr>
-                <a:t>88.75%)</a:t>
+                <a:t>87%)</a:t>
               </a:r>
             </a:p>
             <a:p>
@@ -4525,14 +4525,14 @@
           <p:nvPr>
             <p:extLst>
               <p:ext uri="{D42A27DB-BD31-4B8C-83A1-F6EECF244321}">
-                <p14:modId xmlns:p14="http://schemas.microsoft.com/office/powerpoint/2010/main" val="2413875534"/>
+                <p14:modId xmlns:p14="http://schemas.microsoft.com/office/powerpoint/2010/main" val="3040469752"/>
               </p:ext>
             </p:extLst>
           </p:nvPr>
         </p:nvGraphicFramePr>
         <p:xfrm>
           <a:off x="782593" y="874729"/>
-          <a:ext cx="10626812" cy="5635506"/>
+          <a:ext cx="10626812" cy="5757426"/>
         </p:xfrm>
         <a:graphic>
           <a:graphicData uri="http://schemas.openxmlformats.org/drawingml/2006/table">
@@ -5008,7 +5008,42 @@
                             <a:srgbClr val="FF0000"/>
                           </a:solidFill>
                         </a:rPr>
-                        <a:t>100%</a:t>
+                        <a:t>80%</a:t>
+                      </a:r>
+                    </a:p>
+                    <a:p>
+                      <a:pPr algn="ctr" latinLnBrk="1"/>
+                      <a:r>
+                        <a:rPr lang="en-US" altLang="ko-KR" b="1" dirty="0">
+                          <a:solidFill>
+                            <a:srgbClr val="FF0000"/>
+                          </a:solidFill>
+                        </a:rPr>
+                        <a:t>(</a:t>
+                      </a:r>
+                      <a:r>
+                        <a:rPr lang="ko-KR" altLang="en-US" b="1" dirty="0">
+                          <a:solidFill>
+                            <a:srgbClr val="FF0000"/>
+                          </a:solidFill>
+                        </a:rPr>
+                        <a:t>벽돌이나 랜덤박스를 치게 되면 올라가는 것을 구현하는 걸 </a:t>
+                      </a:r>
+                      <a:r>
+                        <a:rPr lang="ko-KR" altLang="en-US" b="1" dirty="0" err="1">
+                          <a:solidFill>
+                            <a:srgbClr val="FF0000"/>
+                          </a:solidFill>
+                        </a:rPr>
+                        <a:t>깜빡함</a:t>
+                      </a:r>
+                      <a:r>
+                        <a:rPr lang="en-US" altLang="ko-KR" b="1" dirty="0">
+                          <a:solidFill>
+                            <a:srgbClr val="FF0000"/>
+                          </a:solidFill>
+                        </a:rPr>
+                        <a:t>)</a:t>
                       </a:r>
                       <a:endParaRPr lang="ko-KR" altLang="en-US" b="1" dirty="0">
                         <a:solidFill>
